--- a/Documentacao/Artigo/Nova pasta (2)/img/Apresentação1.pptx
+++ b/Documentacao/Artigo/Nova pasta (2)/img/Apresentação1.pptx
@@ -5,10 +5,15 @@
     <p:sldMasterId id="2147483648" r:id="rId1"/>
   </p:sldMasterIdLst>
   <p:sldIdLst>
-    <p:sldId id="256" r:id="rId2"/>
-    <p:sldId id="258" r:id="rId3"/>
-    <p:sldId id="257" r:id="rId4"/>
-    <p:sldId id="259" r:id="rId5"/>
+    <p:sldId id="264" r:id="rId2"/>
+    <p:sldId id="256" r:id="rId3"/>
+    <p:sldId id="258" r:id="rId4"/>
+    <p:sldId id="257" r:id="rId5"/>
+    <p:sldId id="259" r:id="rId6"/>
+    <p:sldId id="260" r:id="rId7"/>
+    <p:sldId id="261" r:id="rId8"/>
+    <p:sldId id="262" r:id="rId9"/>
+    <p:sldId id="263" r:id="rId10"/>
   </p:sldIdLst>
   <p:sldSz cx="12192000" cy="6858000"/>
   <p:notesSz cx="6858000" cy="9144000"/>
@@ -262,7 +267,7 @@
           <a:p>
             <a:fld id="{FB2C4DF3-DBA1-4204-BAEC-1604DA55D6F2}" type="datetimeFigureOut">
               <a:rPr lang="pt-BR" smtClean="0"/>
-              <a:t>06/11/2018</a:t>
+              <a:t>19/11/2018</a:t>
             </a:fld>
             <a:endParaRPr lang="pt-BR"/>
           </a:p>
@@ -460,7 +465,7 @@
           <a:p>
             <a:fld id="{FB2C4DF3-DBA1-4204-BAEC-1604DA55D6F2}" type="datetimeFigureOut">
               <a:rPr lang="pt-BR" smtClean="0"/>
-              <a:t>06/11/2018</a:t>
+              <a:t>19/11/2018</a:t>
             </a:fld>
             <a:endParaRPr lang="pt-BR"/>
           </a:p>
@@ -668,7 +673,7 @@
           <a:p>
             <a:fld id="{FB2C4DF3-DBA1-4204-BAEC-1604DA55D6F2}" type="datetimeFigureOut">
               <a:rPr lang="pt-BR" smtClean="0"/>
-              <a:t>06/11/2018</a:t>
+              <a:t>19/11/2018</a:t>
             </a:fld>
             <a:endParaRPr lang="pt-BR"/>
           </a:p>
@@ -866,7 +871,7 @@
           <a:p>
             <a:fld id="{FB2C4DF3-DBA1-4204-BAEC-1604DA55D6F2}" type="datetimeFigureOut">
               <a:rPr lang="pt-BR" smtClean="0"/>
-              <a:t>06/11/2018</a:t>
+              <a:t>19/11/2018</a:t>
             </a:fld>
             <a:endParaRPr lang="pt-BR"/>
           </a:p>
@@ -1141,7 +1146,7 @@
           <a:p>
             <a:fld id="{FB2C4DF3-DBA1-4204-BAEC-1604DA55D6F2}" type="datetimeFigureOut">
               <a:rPr lang="pt-BR" smtClean="0"/>
-              <a:t>06/11/2018</a:t>
+              <a:t>19/11/2018</a:t>
             </a:fld>
             <a:endParaRPr lang="pt-BR"/>
           </a:p>
@@ -1406,7 +1411,7 @@
           <a:p>
             <a:fld id="{FB2C4DF3-DBA1-4204-BAEC-1604DA55D6F2}" type="datetimeFigureOut">
               <a:rPr lang="pt-BR" smtClean="0"/>
-              <a:t>06/11/2018</a:t>
+              <a:t>19/11/2018</a:t>
             </a:fld>
             <a:endParaRPr lang="pt-BR"/>
           </a:p>
@@ -1818,7 +1823,7 @@
           <a:p>
             <a:fld id="{FB2C4DF3-DBA1-4204-BAEC-1604DA55D6F2}" type="datetimeFigureOut">
               <a:rPr lang="pt-BR" smtClean="0"/>
-              <a:t>06/11/2018</a:t>
+              <a:t>19/11/2018</a:t>
             </a:fld>
             <a:endParaRPr lang="pt-BR"/>
           </a:p>
@@ -1959,7 +1964,7 @@
           <a:p>
             <a:fld id="{FB2C4DF3-DBA1-4204-BAEC-1604DA55D6F2}" type="datetimeFigureOut">
               <a:rPr lang="pt-BR" smtClean="0"/>
-              <a:t>06/11/2018</a:t>
+              <a:t>19/11/2018</a:t>
             </a:fld>
             <a:endParaRPr lang="pt-BR"/>
           </a:p>
@@ -2072,7 +2077,7 @@
           <a:p>
             <a:fld id="{FB2C4DF3-DBA1-4204-BAEC-1604DA55D6F2}" type="datetimeFigureOut">
               <a:rPr lang="pt-BR" smtClean="0"/>
-              <a:t>06/11/2018</a:t>
+              <a:t>19/11/2018</a:t>
             </a:fld>
             <a:endParaRPr lang="pt-BR"/>
           </a:p>
@@ -2383,7 +2388,7 @@
           <a:p>
             <a:fld id="{FB2C4DF3-DBA1-4204-BAEC-1604DA55D6F2}" type="datetimeFigureOut">
               <a:rPr lang="pt-BR" smtClean="0"/>
-              <a:t>06/11/2018</a:t>
+              <a:t>19/11/2018</a:t>
             </a:fld>
             <a:endParaRPr lang="pt-BR"/>
           </a:p>
@@ -2671,7 +2676,7 @@
           <a:p>
             <a:fld id="{FB2C4DF3-DBA1-4204-BAEC-1604DA55D6F2}" type="datetimeFigureOut">
               <a:rPr lang="pt-BR" smtClean="0"/>
-              <a:t>06/11/2018</a:t>
+              <a:t>19/11/2018</a:t>
             </a:fld>
             <a:endParaRPr lang="pt-BR"/>
           </a:p>
@@ -2912,7 +2917,7 @@
           <a:p>
             <a:fld id="{FB2C4DF3-DBA1-4204-BAEC-1604DA55D6F2}" type="datetimeFigureOut">
               <a:rPr lang="pt-BR" smtClean="0"/>
-              <a:t>06/11/2018</a:t>
+              <a:t>19/11/2018</a:t>
             </a:fld>
             <a:endParaRPr lang="pt-BR"/>
           </a:p>
@@ -3331,6 +3336,65 @@
       </p:grpSpPr>
       <p:pic>
         <p:nvPicPr>
+          <p:cNvPr id="4" name="Imagem 3">
+            <a:extLst>
+              <a:ext uri="{FF2B5EF4-FFF2-40B4-BE49-F238E27FC236}">
+                <a16:creationId xmlns:a16="http://schemas.microsoft.com/office/drawing/2014/main" id="{02AE60AE-820A-4193-81BA-A94E9D7B22E9}"/>
+              </a:ext>
+            </a:extLst>
+          </p:cNvPr>
+          <p:cNvPicPr>
+            <a:picLocks noChangeAspect="1"/>
+          </p:cNvPicPr>
+          <p:nvPr/>
+        </p:nvPicPr>
+        <p:blipFill rotWithShape="1">
+          <a:blip r:embed="rId2"/>
+          <a:srcRect l="30959" t="26134" r="18538" b="48301"/>
+          <a:stretch/>
+        </p:blipFill>
+        <p:spPr>
+          <a:xfrm>
+            <a:off x="3310357" y="1469478"/>
+            <a:ext cx="6157201" cy="1752430"/>
+          </a:xfrm>
+          <a:prstGeom prst="rect">
+            <a:avLst/>
+          </a:prstGeom>
+        </p:spPr>
+      </p:pic>
+    </p:spTree>
+    <p:extLst>
+      <p:ext uri="{BB962C8B-B14F-4D97-AF65-F5344CB8AC3E}">
+        <p14:creationId xmlns:p14="http://schemas.microsoft.com/office/powerpoint/2010/main" val="2286130214"/>
+      </p:ext>
+    </p:extLst>
+  </p:cSld>
+  <p:clrMapOvr>
+    <a:masterClrMapping/>
+  </p:clrMapOvr>
+</p:sld>
+</file>
+
+<file path=ppt/slides/slide2.xml><?xml version="1.0" encoding="utf-8"?>
+<p:sld xmlns:a="http://schemas.openxmlformats.org/drawingml/2006/main" xmlns:r="http://schemas.openxmlformats.org/officeDocument/2006/relationships" xmlns:p="http://schemas.openxmlformats.org/presentationml/2006/main">
+  <p:cSld>
+    <p:spTree>
+      <p:nvGrpSpPr>
+        <p:cNvPr id="1" name=""/>
+        <p:cNvGrpSpPr/>
+        <p:nvPr/>
+      </p:nvGrpSpPr>
+      <p:grpSpPr>
+        <a:xfrm>
+          <a:off x="0" y="0"/>
+          <a:ext cx="0" cy="0"/>
+          <a:chOff x="0" y="0"/>
+          <a:chExt cx="0" cy="0"/>
+        </a:xfrm>
+      </p:grpSpPr>
+      <p:pic>
+        <p:nvPicPr>
           <p:cNvPr id="1026" name="Picture 2" descr="Resultado de imagem para lena pixel">
             <a:extLst>
               <a:ext uri="{FF2B5EF4-FFF2-40B4-BE49-F238E27FC236}">
@@ -3440,7 +3504,9 @@
           <p:nvPr/>
         </p:nvPicPr>
         <p:blipFill rotWithShape="1">
-          <a:blip r:embed="rId3"/>
+          <a:blip r:embed="rId3">
+            <a:biLevel thresh="75000"/>
+          </a:blip>
           <a:srcRect l="12609" t="30715" r="68478" b="44345"/>
           <a:stretch/>
         </p:blipFill>
@@ -3454,6 +3520,665 @@
           </a:prstGeom>
         </p:spPr>
       </p:pic>
+      <p:pic>
+        <p:nvPicPr>
+          <p:cNvPr id="11" name="Imagem 10">
+            <a:extLst>
+              <a:ext uri="{FF2B5EF4-FFF2-40B4-BE49-F238E27FC236}">
+                <a16:creationId xmlns:a16="http://schemas.microsoft.com/office/drawing/2014/main" id="{2AFBFE78-0062-465D-8084-E5BE5BE01C99}"/>
+              </a:ext>
+            </a:extLst>
+          </p:cNvPr>
+          <p:cNvPicPr>
+            <a:picLocks noChangeAspect="1"/>
+          </p:cNvPicPr>
+          <p:nvPr/>
+        </p:nvPicPr>
+        <p:blipFill rotWithShape="1">
+          <a:blip r:embed="rId3">
+            <a:biLevel thresh="75000"/>
+          </a:blip>
+          <a:srcRect l="12609" t="30715" r="68478" b="44345"/>
+          <a:stretch/>
+        </p:blipFill>
+        <p:spPr>
+          <a:xfrm>
+            <a:off x="6973129" y="708992"/>
+            <a:ext cx="2305878" cy="1709530"/>
+          </a:xfrm>
+          <a:prstGeom prst="rect">
+            <a:avLst/>
+          </a:prstGeom>
+        </p:spPr>
+      </p:pic>
+      <p:sp>
+        <p:nvSpPr>
+          <p:cNvPr id="10" name="Retângulo 9">
+            <a:extLst>
+              <a:ext uri="{FF2B5EF4-FFF2-40B4-BE49-F238E27FC236}">
+                <a16:creationId xmlns:a16="http://schemas.microsoft.com/office/drawing/2014/main" id="{9E3CF537-A060-4B45-806C-1F88819DD9FB}"/>
+              </a:ext>
+            </a:extLst>
+          </p:cNvPr>
+          <p:cNvSpPr/>
+          <p:nvPr/>
+        </p:nvSpPr>
+        <p:spPr>
+          <a:xfrm>
+            <a:off x="7881938" y="1419225"/>
+            <a:ext cx="447675" cy="342900"/>
+          </a:xfrm>
+          <a:prstGeom prst="rect">
+            <a:avLst/>
+          </a:prstGeom>
+        </p:spPr>
+        <p:style>
+          <a:lnRef idx="2">
+            <a:schemeClr val="accent1">
+              <a:shade val="50000"/>
+            </a:schemeClr>
+          </a:lnRef>
+          <a:fillRef idx="1">
+            <a:schemeClr val="accent1"/>
+          </a:fillRef>
+          <a:effectRef idx="0">
+            <a:schemeClr val="accent1"/>
+          </a:effectRef>
+          <a:fontRef idx="minor">
+            <a:schemeClr val="lt1"/>
+          </a:fontRef>
+        </p:style>
+        <p:txBody>
+          <a:bodyPr rtlCol="0" anchor="ctr"/>
+          <a:lstStyle/>
+          <a:p>
+            <a:pPr algn="ctr"/>
+            <a:endParaRPr lang="pt-BR"/>
+          </a:p>
+        </p:txBody>
+      </p:sp>
+      <p:cxnSp>
+        <p:nvCxnSpPr>
+          <p:cNvPr id="14" name="Conector de Seta Reta 13">
+            <a:extLst>
+              <a:ext uri="{FF2B5EF4-FFF2-40B4-BE49-F238E27FC236}">
+                <a16:creationId xmlns:a16="http://schemas.microsoft.com/office/drawing/2014/main" id="{1B373D42-7EB8-4709-B567-580C118CB219}"/>
+              </a:ext>
+            </a:extLst>
+          </p:cNvPr>
+          <p:cNvCxnSpPr>
+            <a:cxnSpLocks/>
+          </p:cNvCxnSpPr>
+          <p:nvPr/>
+        </p:nvCxnSpPr>
+        <p:spPr>
+          <a:xfrm flipV="1">
+            <a:off x="8122753" y="1098686"/>
+            <a:ext cx="459788" cy="475999"/>
+          </a:xfrm>
+          <a:prstGeom prst="straightConnector1">
+            <a:avLst/>
+          </a:prstGeom>
+          <a:ln w="57150">
+            <a:solidFill>
+              <a:schemeClr val="bg1">
+                <a:lumMod val="65000"/>
+              </a:schemeClr>
+            </a:solidFill>
+            <a:tailEnd type="triangle"/>
+          </a:ln>
+        </p:spPr>
+        <p:style>
+          <a:lnRef idx="1">
+            <a:schemeClr val="accent1"/>
+          </a:lnRef>
+          <a:fillRef idx="0">
+            <a:schemeClr val="accent1"/>
+          </a:fillRef>
+          <a:effectRef idx="0">
+            <a:schemeClr val="accent1"/>
+          </a:effectRef>
+          <a:fontRef idx="minor">
+            <a:schemeClr val="tx1"/>
+          </a:fontRef>
+        </p:style>
+      </p:cxnSp>
+      <p:sp>
+        <p:nvSpPr>
+          <p:cNvPr id="17" name="CaixaDeTexto 16">
+            <a:extLst>
+              <a:ext uri="{FF2B5EF4-FFF2-40B4-BE49-F238E27FC236}">
+                <a16:creationId xmlns:a16="http://schemas.microsoft.com/office/drawing/2014/main" id="{2D132A12-17F5-4A36-91ED-00AED909E393}"/>
+              </a:ext>
+            </a:extLst>
+          </p:cNvPr>
+          <p:cNvSpPr txBox="1"/>
+          <p:nvPr/>
+        </p:nvSpPr>
+        <p:spPr>
+          <a:xfrm>
+            <a:off x="8329613" y="1335137"/>
+            <a:ext cx="453970" cy="323165"/>
+          </a:xfrm>
+          <a:prstGeom prst="rect">
+            <a:avLst/>
+          </a:prstGeom>
+          <a:noFill/>
+        </p:spPr>
+        <p:txBody>
+          <a:bodyPr wrap="none" rtlCol="0">
+            <a:spAutoFit/>
+          </a:bodyPr>
+          <a:lstStyle/>
+          <a:p>
+            <a:r>
+              <a:rPr lang="pt-BR" sz="1500" b="1" dirty="0">
+                <a:latin typeface="Times New Roman" panose="02020603050405020304" pitchFamily="18" charset="0"/>
+                <a:cs typeface="Times New Roman" panose="02020603050405020304" pitchFamily="18" charset="0"/>
+              </a:rPr>
+              <a:t>45°</a:t>
+            </a:r>
+          </a:p>
+        </p:txBody>
+      </p:sp>
+      <p:cxnSp>
+        <p:nvCxnSpPr>
+          <p:cNvPr id="20" name="Conector reto 19">
+            <a:extLst>
+              <a:ext uri="{FF2B5EF4-FFF2-40B4-BE49-F238E27FC236}">
+                <a16:creationId xmlns:a16="http://schemas.microsoft.com/office/drawing/2014/main" id="{6231802C-BD44-4916-8A48-5779171ADAAB}"/>
+              </a:ext>
+            </a:extLst>
+          </p:cNvPr>
+          <p:cNvCxnSpPr>
+            <a:cxnSpLocks/>
+          </p:cNvCxnSpPr>
+          <p:nvPr/>
+        </p:nvCxnSpPr>
+        <p:spPr>
+          <a:xfrm>
+            <a:off x="7100888" y="708992"/>
+            <a:ext cx="2052637" cy="1815133"/>
+          </a:xfrm>
+          <a:prstGeom prst="line">
+            <a:avLst/>
+          </a:prstGeom>
+          <a:ln w="57150">
+            <a:solidFill>
+              <a:schemeClr val="bg1">
+                <a:lumMod val="65000"/>
+              </a:schemeClr>
+            </a:solidFill>
+          </a:ln>
+        </p:spPr>
+        <p:style>
+          <a:lnRef idx="1">
+            <a:schemeClr val="accent1"/>
+          </a:lnRef>
+          <a:fillRef idx="0">
+            <a:schemeClr val="accent1"/>
+          </a:fillRef>
+          <a:effectRef idx="0">
+            <a:schemeClr val="accent1"/>
+          </a:effectRef>
+          <a:fontRef idx="minor">
+            <a:schemeClr val="tx1"/>
+          </a:fontRef>
+        </p:style>
+      </p:cxnSp>
+      <p:cxnSp>
+        <p:nvCxnSpPr>
+          <p:cNvPr id="1029" name="Conector reto 1028">
+            <a:extLst>
+              <a:ext uri="{FF2B5EF4-FFF2-40B4-BE49-F238E27FC236}">
+                <a16:creationId xmlns:a16="http://schemas.microsoft.com/office/drawing/2014/main" id="{EDA3341B-07BF-4C60-99D8-33CB67455C1C}"/>
+              </a:ext>
+            </a:extLst>
+          </p:cNvPr>
+          <p:cNvCxnSpPr>
+            <a:cxnSpLocks/>
+          </p:cNvCxnSpPr>
+          <p:nvPr/>
+        </p:nvCxnSpPr>
+        <p:spPr>
+          <a:xfrm>
+            <a:off x="6973129" y="1637576"/>
+            <a:ext cx="2305878" cy="0"/>
+          </a:xfrm>
+          <a:prstGeom prst="line">
+            <a:avLst/>
+          </a:prstGeom>
+          <a:ln w="19050" cap="flat" cmpd="sng" algn="ctr">
+            <a:solidFill>
+              <a:schemeClr val="dk1"/>
+            </a:solidFill>
+            <a:prstDash val="dash"/>
+            <a:round/>
+            <a:headEnd type="none" w="med" len="med"/>
+            <a:tailEnd type="none" w="med" len="med"/>
+          </a:ln>
+        </p:spPr>
+        <p:style>
+          <a:lnRef idx="0">
+            <a:scrgbClr r="0" g="0" b="0"/>
+          </a:lnRef>
+          <a:fillRef idx="0">
+            <a:scrgbClr r="0" g="0" b="0"/>
+          </a:fillRef>
+          <a:effectRef idx="0">
+            <a:scrgbClr r="0" g="0" b="0"/>
+          </a:effectRef>
+          <a:fontRef idx="minor">
+            <a:schemeClr val="tx1"/>
+          </a:fontRef>
+        </p:style>
+      </p:cxnSp>
+      <p:sp>
+        <p:nvSpPr>
+          <p:cNvPr id="16" name="Arco 15">
+            <a:extLst>
+              <a:ext uri="{FF2B5EF4-FFF2-40B4-BE49-F238E27FC236}">
+                <a16:creationId xmlns:a16="http://schemas.microsoft.com/office/drawing/2014/main" id="{3A7A8F6C-84AF-4B27-8BCA-33B511AB2F26}"/>
+              </a:ext>
+            </a:extLst>
+          </p:cNvPr>
+          <p:cNvSpPr/>
+          <p:nvPr/>
+        </p:nvSpPr>
+        <p:spPr>
+          <a:xfrm>
+            <a:off x="8038844" y="1545459"/>
+            <a:ext cx="266700" cy="200025"/>
+          </a:xfrm>
+          <a:prstGeom prst="arc">
+            <a:avLst/>
+          </a:prstGeom>
+        </p:spPr>
+        <p:style>
+          <a:lnRef idx="3">
+            <a:schemeClr val="dk1"/>
+          </a:lnRef>
+          <a:fillRef idx="0">
+            <a:schemeClr val="dk1"/>
+          </a:fillRef>
+          <a:effectRef idx="2">
+            <a:schemeClr val="dk1"/>
+          </a:effectRef>
+          <a:fontRef idx="minor">
+            <a:schemeClr val="tx1"/>
+          </a:fontRef>
+        </p:style>
+        <p:txBody>
+          <a:bodyPr rtlCol="0" anchor="ctr"/>
+          <a:lstStyle/>
+          <a:p>
+            <a:pPr algn="ctr"/>
+            <a:endParaRPr lang="pt-BR"/>
+          </a:p>
+        </p:txBody>
+      </p:sp>
+      <p:pic>
+        <p:nvPicPr>
+          <p:cNvPr id="3" name="Imagem 2">
+            <a:extLst>
+              <a:ext uri="{FF2B5EF4-FFF2-40B4-BE49-F238E27FC236}">
+                <a16:creationId xmlns:a16="http://schemas.microsoft.com/office/drawing/2014/main" id="{B789A90D-F104-479C-A2B6-A49EAF60A4D5}"/>
+              </a:ext>
+            </a:extLst>
+          </p:cNvPr>
+          <p:cNvPicPr>
+            <a:picLocks noChangeAspect="1"/>
+          </p:cNvPicPr>
+          <p:nvPr/>
+        </p:nvPicPr>
+        <p:blipFill rotWithShape="1">
+          <a:blip r:embed="rId4">
+            <a:biLevel thresh="75000"/>
+            <a:extLst>
+              <a:ext uri="{28A0092B-C50C-407E-A947-70E740481C1C}">
+                <a14:useLocalDpi xmlns:a14="http://schemas.microsoft.com/office/drawing/2010/main" val="0"/>
+              </a:ext>
+            </a:extLst>
+          </a:blip>
+          <a:srcRect l="45643" t="5977" b="17321"/>
+          <a:stretch/>
+        </p:blipFill>
+        <p:spPr>
+          <a:xfrm>
+            <a:off x="6536378" y="3246422"/>
+            <a:ext cx="3538331" cy="2801902"/>
+          </a:xfrm>
+          <a:prstGeom prst="rect">
+            <a:avLst/>
+          </a:prstGeom>
+        </p:spPr>
+      </p:pic>
+      <p:pic>
+        <p:nvPicPr>
+          <p:cNvPr id="18" name="Imagem 17">
+            <a:extLst>
+              <a:ext uri="{FF2B5EF4-FFF2-40B4-BE49-F238E27FC236}">
+                <a16:creationId xmlns:a16="http://schemas.microsoft.com/office/drawing/2014/main" id="{7FBF2D69-F895-410C-9E96-0E1A6D1566C8}"/>
+              </a:ext>
+            </a:extLst>
+          </p:cNvPr>
+          <p:cNvPicPr>
+            <a:picLocks noChangeAspect="1"/>
+          </p:cNvPicPr>
+          <p:nvPr/>
+        </p:nvPicPr>
+        <p:blipFill rotWithShape="1">
+          <a:blip r:embed="rId5"/>
+          <a:srcRect l="58173" t="47148" r="23913" b="17472"/>
+          <a:stretch/>
+        </p:blipFill>
+        <p:spPr>
+          <a:xfrm>
+            <a:off x="4305786" y="3429000"/>
+            <a:ext cx="2230592" cy="2476744"/>
+          </a:xfrm>
+          <a:prstGeom prst="rect">
+            <a:avLst/>
+          </a:prstGeom>
+        </p:spPr>
+      </p:pic>
+      <p:pic>
+        <p:nvPicPr>
+          <p:cNvPr id="4" name="Imagem 3">
+            <a:extLst>
+              <a:ext uri="{FF2B5EF4-FFF2-40B4-BE49-F238E27FC236}">
+                <a16:creationId xmlns:a16="http://schemas.microsoft.com/office/drawing/2014/main" id="{E56FB766-90B3-4B84-B91C-85DD2ACA68B7}"/>
+              </a:ext>
+            </a:extLst>
+          </p:cNvPr>
+          <p:cNvPicPr>
+            <a:picLocks noChangeAspect="1"/>
+          </p:cNvPicPr>
+          <p:nvPr/>
+        </p:nvPicPr>
+        <p:blipFill rotWithShape="1">
+          <a:blip r:embed="rId6"/>
+          <a:srcRect l="47826" t="54981" r="20543" b="19453"/>
+          <a:stretch/>
+        </p:blipFill>
+        <p:spPr>
+          <a:xfrm>
+            <a:off x="7350815" y="4883098"/>
+            <a:ext cx="3856383" cy="1752432"/>
+          </a:xfrm>
+          <a:prstGeom prst="rect">
+            <a:avLst/>
+          </a:prstGeom>
+        </p:spPr>
+      </p:pic>
+      <p:sp>
+        <p:nvSpPr>
+          <p:cNvPr id="6" name="Seta: para a Direita 5">
+            <a:extLst>
+              <a:ext uri="{FF2B5EF4-FFF2-40B4-BE49-F238E27FC236}">
+                <a16:creationId xmlns:a16="http://schemas.microsoft.com/office/drawing/2014/main" id="{37A402D2-D2C9-4848-AC6F-02E65188128E}"/>
+              </a:ext>
+            </a:extLst>
+          </p:cNvPr>
+          <p:cNvSpPr/>
+          <p:nvPr/>
+        </p:nvSpPr>
+        <p:spPr>
+          <a:xfrm>
+            <a:off x="6801489" y="436098"/>
+            <a:ext cx="1551158" cy="242642"/>
+          </a:xfrm>
+          <a:prstGeom prst="rightArrow">
+            <a:avLst/>
+          </a:prstGeom>
+        </p:spPr>
+        <p:style>
+          <a:lnRef idx="2">
+            <a:schemeClr val="accent1">
+              <a:shade val="50000"/>
+            </a:schemeClr>
+          </a:lnRef>
+          <a:fillRef idx="1">
+            <a:schemeClr val="accent1"/>
+          </a:fillRef>
+          <a:effectRef idx="0">
+            <a:schemeClr val="accent1"/>
+          </a:effectRef>
+          <a:fontRef idx="minor">
+            <a:schemeClr val="lt1"/>
+          </a:fontRef>
+        </p:style>
+        <p:txBody>
+          <a:bodyPr rtlCol="0" anchor="ctr"/>
+          <a:lstStyle/>
+          <a:p>
+            <a:pPr algn="ctr"/>
+            <a:endParaRPr lang="pt-BR"/>
+          </a:p>
+        </p:txBody>
+      </p:sp>
+      <p:sp>
+        <p:nvSpPr>
+          <p:cNvPr id="21" name="Seta: para a Direita 20">
+            <a:extLst>
+              <a:ext uri="{FF2B5EF4-FFF2-40B4-BE49-F238E27FC236}">
+                <a16:creationId xmlns:a16="http://schemas.microsoft.com/office/drawing/2014/main" id="{C31B4875-A94A-4446-8A5E-FC43575C0430}"/>
+              </a:ext>
+            </a:extLst>
+          </p:cNvPr>
+          <p:cNvSpPr/>
+          <p:nvPr/>
+        </p:nvSpPr>
+        <p:spPr>
+          <a:xfrm rot="5400000">
+            <a:off x="6012350" y="1159993"/>
+            <a:ext cx="1551158" cy="242642"/>
+          </a:xfrm>
+          <a:prstGeom prst="rightArrow">
+            <a:avLst/>
+          </a:prstGeom>
+        </p:spPr>
+        <p:style>
+          <a:lnRef idx="2">
+            <a:schemeClr val="accent1">
+              <a:shade val="50000"/>
+            </a:schemeClr>
+          </a:lnRef>
+          <a:fillRef idx="1">
+            <a:schemeClr val="accent1"/>
+          </a:fillRef>
+          <a:effectRef idx="0">
+            <a:schemeClr val="accent1"/>
+          </a:effectRef>
+          <a:fontRef idx="minor">
+            <a:schemeClr val="lt1"/>
+          </a:fontRef>
+        </p:style>
+        <p:txBody>
+          <a:bodyPr rtlCol="0" anchor="ctr"/>
+          <a:lstStyle/>
+          <a:p>
+            <a:pPr algn="ctr"/>
+            <a:endParaRPr lang="pt-BR"/>
+          </a:p>
+        </p:txBody>
+      </p:sp>
+      <p:sp>
+        <p:nvSpPr>
+          <p:cNvPr id="22" name="CaixaDeTexto 21">
+            <a:extLst>
+              <a:ext uri="{FF2B5EF4-FFF2-40B4-BE49-F238E27FC236}">
+                <a16:creationId xmlns:a16="http://schemas.microsoft.com/office/drawing/2014/main" id="{167D8E15-601B-4696-979D-B5FE2A0D4ADD}"/>
+              </a:ext>
+            </a:extLst>
+          </p:cNvPr>
+          <p:cNvSpPr txBox="1"/>
+          <p:nvPr/>
+        </p:nvSpPr>
+        <p:spPr>
+          <a:xfrm>
+            <a:off x="8376650" y="322571"/>
+            <a:ext cx="295274" cy="369332"/>
+          </a:xfrm>
+          <a:prstGeom prst="rect">
+            <a:avLst/>
+          </a:prstGeom>
+          <a:noFill/>
+        </p:spPr>
+        <p:txBody>
+          <a:bodyPr wrap="none" rtlCol="0">
+            <a:spAutoFit/>
+          </a:bodyPr>
+          <a:lstStyle/>
+          <a:p>
+            <a:r>
+              <a:rPr lang="pt-BR" dirty="0"/>
+              <a:t>y</a:t>
+            </a:r>
+          </a:p>
+        </p:txBody>
+      </p:sp>
+      <p:sp>
+        <p:nvSpPr>
+          <p:cNvPr id="23" name="CaixaDeTexto 22">
+            <a:extLst>
+              <a:ext uri="{FF2B5EF4-FFF2-40B4-BE49-F238E27FC236}">
+                <a16:creationId xmlns:a16="http://schemas.microsoft.com/office/drawing/2014/main" id="{43985C22-322C-4ECF-AAD2-2B47AFC3F56B}"/>
+              </a:ext>
+            </a:extLst>
+          </p:cNvPr>
+          <p:cNvSpPr txBox="1"/>
+          <p:nvPr/>
+        </p:nvSpPr>
+        <p:spPr>
+          <a:xfrm>
+            <a:off x="6626086" y="2001078"/>
+            <a:ext cx="236347" cy="369332"/>
+          </a:xfrm>
+          <a:prstGeom prst="rect">
+            <a:avLst/>
+          </a:prstGeom>
+          <a:noFill/>
+        </p:spPr>
+        <p:txBody>
+          <a:bodyPr wrap="square" rtlCol="0">
+            <a:spAutoFit/>
+          </a:bodyPr>
+          <a:lstStyle/>
+          <a:p>
+            <a:r>
+              <a:rPr lang="pt-BR" dirty="0"/>
+              <a:t>x</a:t>
+            </a:r>
+          </a:p>
+        </p:txBody>
+      </p:sp>
+      <p:sp>
+        <p:nvSpPr>
+          <p:cNvPr id="24" name="CaixaDeTexto 23">
+            <a:extLst>
+              <a:ext uri="{FF2B5EF4-FFF2-40B4-BE49-F238E27FC236}">
+                <a16:creationId xmlns:a16="http://schemas.microsoft.com/office/drawing/2014/main" id="{7C15335D-2A18-4229-A2FE-D45CC2717173}"/>
+              </a:ext>
+            </a:extLst>
+          </p:cNvPr>
+          <p:cNvSpPr txBox="1"/>
+          <p:nvPr/>
+        </p:nvSpPr>
+        <p:spPr>
+          <a:xfrm>
+            <a:off x="8524287" y="809676"/>
+            <a:ext cx="1717458" cy="369332"/>
+          </a:xfrm>
+          <a:prstGeom prst="rect">
+            <a:avLst/>
+          </a:prstGeom>
+          <a:noFill/>
+        </p:spPr>
+        <p:txBody>
+          <a:bodyPr wrap="none" rtlCol="0">
+            <a:spAutoFit/>
+          </a:bodyPr>
+          <a:lstStyle/>
+          <a:p>
+            <a:r>
+              <a:rPr lang="pt-BR" b="1" dirty="0">
+                <a:latin typeface="Times New Roman" panose="02020603050405020304" pitchFamily="18" charset="0"/>
+                <a:cs typeface="Times New Roman" panose="02020603050405020304" pitchFamily="18" charset="0"/>
+              </a:rPr>
+              <a:t>Vetor gradiente</a:t>
+            </a:r>
+          </a:p>
+        </p:txBody>
+      </p:sp>
+      <p:sp>
+        <p:nvSpPr>
+          <p:cNvPr id="25" name="CaixaDeTexto 24">
+            <a:extLst>
+              <a:ext uri="{FF2B5EF4-FFF2-40B4-BE49-F238E27FC236}">
+                <a16:creationId xmlns:a16="http://schemas.microsoft.com/office/drawing/2014/main" id="{7663BED7-50D6-4573-A01B-8764F2475E85}"/>
+              </a:ext>
+            </a:extLst>
+          </p:cNvPr>
+          <p:cNvSpPr txBox="1"/>
+          <p:nvPr/>
+        </p:nvSpPr>
+        <p:spPr>
+          <a:xfrm>
+            <a:off x="8582541" y="2464025"/>
+            <a:ext cx="1898918" cy="369332"/>
+          </a:xfrm>
+          <a:prstGeom prst="rect">
+            <a:avLst/>
+          </a:prstGeom>
+          <a:noFill/>
+        </p:spPr>
+        <p:txBody>
+          <a:bodyPr wrap="none" rtlCol="0">
+            <a:spAutoFit/>
+          </a:bodyPr>
+          <a:lstStyle/>
+          <a:p>
+            <a:r>
+              <a:rPr lang="pt-BR" b="1" dirty="0">
+                <a:latin typeface="Times New Roman" panose="02020603050405020304" pitchFamily="18" charset="0"/>
+                <a:cs typeface="Times New Roman" panose="02020603050405020304" pitchFamily="18" charset="0"/>
+              </a:rPr>
+              <a:t>Direção da borda</a:t>
+            </a:r>
+          </a:p>
+        </p:txBody>
+      </p:sp>
+    </p:spTree>
+    <p:extLst>
+      <p:ext uri="{BB962C8B-B14F-4D97-AF65-F5344CB8AC3E}">
+        <p14:creationId xmlns:p14="http://schemas.microsoft.com/office/powerpoint/2010/main" val="2778612547"/>
+      </p:ext>
+    </p:extLst>
+  </p:cSld>
+  <p:clrMapOvr>
+    <a:masterClrMapping/>
+  </p:clrMapOvr>
+</p:sld>
+</file>
+
+<file path=ppt/slides/slide3.xml><?xml version="1.0" encoding="utf-8"?>
+<p:sld xmlns:a="http://schemas.openxmlformats.org/drawingml/2006/main" xmlns:r="http://schemas.openxmlformats.org/officeDocument/2006/relationships" xmlns:p="http://schemas.openxmlformats.org/presentationml/2006/main">
+  <p:cSld>
+    <p:spTree>
+      <p:nvGrpSpPr>
+        <p:cNvPr id="1" name=""/>
+        <p:cNvGrpSpPr/>
+        <p:nvPr/>
+      </p:nvGrpSpPr>
+      <p:grpSpPr>
+        <a:xfrm>
+          <a:off x="0" y="0"/>
+          <a:ext cx="0" cy="0"/>
+          <a:chOff x="0" y="0"/>
+          <a:chExt cx="0" cy="0"/>
+        </a:xfrm>
+      </p:grpSpPr>
       <p:grpSp>
         <p:nvGrpSpPr>
           <p:cNvPr id="12" name="Agrupar 11">
@@ -3468,7 +4193,7 @@
         </p:nvGrpSpPr>
         <p:grpSpPr>
           <a:xfrm>
-            <a:off x="6973129" y="708992"/>
+            <a:off x="7092398" y="2710071"/>
             <a:ext cx="2305878" cy="1709530"/>
             <a:chOff x="6973129" y="708992"/>
             <a:chExt cx="2305878" cy="1709530"/>
@@ -3489,7 +4214,9 @@
             <p:nvPr/>
           </p:nvPicPr>
           <p:blipFill rotWithShape="1">
-            <a:blip r:embed="rId3"/>
+            <a:blip r:embed="rId2">
+              <a:biLevel thresh="75000"/>
+            </a:blip>
             <a:srcRect l="12609" t="30715" r="68478" b="44345"/>
             <a:stretch/>
           </p:blipFill>
@@ -3550,328 +4277,6 @@
           </p:txBody>
         </p:sp>
       </p:grpSp>
-      <p:cxnSp>
-        <p:nvCxnSpPr>
-          <p:cNvPr id="14" name="Conector de Seta Reta 13">
-            <a:extLst>
-              <a:ext uri="{FF2B5EF4-FFF2-40B4-BE49-F238E27FC236}">
-                <a16:creationId xmlns:a16="http://schemas.microsoft.com/office/drawing/2014/main" id="{1B373D42-7EB8-4709-B567-580C118CB219}"/>
-              </a:ext>
-            </a:extLst>
-          </p:cNvPr>
-          <p:cNvCxnSpPr>
-            <a:cxnSpLocks/>
-          </p:cNvCxnSpPr>
-          <p:nvPr/>
-        </p:nvCxnSpPr>
-        <p:spPr>
-          <a:xfrm flipV="1">
-            <a:off x="8122753" y="1098686"/>
-            <a:ext cx="459788" cy="475999"/>
-          </a:xfrm>
-          <a:prstGeom prst="straightConnector1">
-            <a:avLst/>
-          </a:prstGeom>
-          <a:ln w="57150">
-            <a:solidFill>
-              <a:schemeClr val="tx1"/>
-            </a:solidFill>
-            <a:tailEnd type="triangle"/>
-          </a:ln>
-        </p:spPr>
-        <p:style>
-          <a:lnRef idx="1">
-            <a:schemeClr val="accent1"/>
-          </a:lnRef>
-          <a:fillRef idx="0">
-            <a:schemeClr val="accent1"/>
-          </a:fillRef>
-          <a:effectRef idx="0">
-            <a:schemeClr val="accent1"/>
-          </a:effectRef>
-          <a:fontRef idx="minor">
-            <a:schemeClr val="tx1"/>
-          </a:fontRef>
-        </p:style>
-      </p:cxnSp>
-      <p:sp>
-        <p:nvSpPr>
-          <p:cNvPr id="17" name="CaixaDeTexto 16">
-            <a:extLst>
-              <a:ext uri="{FF2B5EF4-FFF2-40B4-BE49-F238E27FC236}">
-                <a16:creationId xmlns:a16="http://schemas.microsoft.com/office/drawing/2014/main" id="{2D132A12-17F5-4A36-91ED-00AED909E393}"/>
-              </a:ext>
-            </a:extLst>
-          </p:cNvPr>
-          <p:cNvSpPr txBox="1"/>
-          <p:nvPr/>
-        </p:nvSpPr>
-        <p:spPr>
-          <a:xfrm>
-            <a:off x="8329613" y="1335137"/>
-            <a:ext cx="453970" cy="323165"/>
-          </a:xfrm>
-          <a:prstGeom prst="rect">
-            <a:avLst/>
-          </a:prstGeom>
-          <a:noFill/>
-        </p:spPr>
-        <p:txBody>
-          <a:bodyPr wrap="none" rtlCol="0">
-            <a:spAutoFit/>
-          </a:bodyPr>
-          <a:lstStyle/>
-          <a:p>
-            <a:r>
-              <a:rPr lang="pt-BR" sz="1500" b="1" dirty="0">
-                <a:latin typeface="Times New Roman" panose="02020603050405020304" pitchFamily="18" charset="0"/>
-                <a:cs typeface="Times New Roman" panose="02020603050405020304" pitchFamily="18" charset="0"/>
-              </a:rPr>
-              <a:t>45°</a:t>
-            </a:r>
-          </a:p>
-        </p:txBody>
-      </p:sp>
-      <p:sp>
-        <p:nvSpPr>
-          <p:cNvPr id="19" name="CaixaDeTexto 18">
-            <a:extLst>
-              <a:ext uri="{FF2B5EF4-FFF2-40B4-BE49-F238E27FC236}">
-                <a16:creationId xmlns:a16="http://schemas.microsoft.com/office/drawing/2014/main" id="{4F2A1C0D-DF2A-4456-87E9-B39BC31DBCCE}"/>
-              </a:ext>
-            </a:extLst>
-          </p:cNvPr>
-          <p:cNvSpPr txBox="1"/>
-          <p:nvPr/>
-        </p:nvSpPr>
-        <p:spPr>
-          <a:xfrm>
-            <a:off x="8524287" y="811128"/>
-            <a:ext cx="2315121" cy="477054"/>
-          </a:xfrm>
-          <a:prstGeom prst="rect">
-            <a:avLst/>
-          </a:prstGeom>
-          <a:noFill/>
-        </p:spPr>
-        <p:txBody>
-          <a:bodyPr wrap="none" rtlCol="0">
-            <a:spAutoFit/>
-          </a:bodyPr>
-          <a:lstStyle/>
-          <a:p>
-            <a:r>
-              <a:rPr lang="pt-BR" sz="2500" b="1" dirty="0">
-                <a:latin typeface="Times New Roman" panose="02020603050405020304" pitchFamily="18" charset="0"/>
-                <a:cs typeface="Times New Roman" panose="02020603050405020304" pitchFamily="18" charset="0"/>
-              </a:rPr>
-              <a:t>Vetor gradiente</a:t>
-            </a:r>
-          </a:p>
-        </p:txBody>
-      </p:sp>
-      <p:cxnSp>
-        <p:nvCxnSpPr>
-          <p:cNvPr id="20" name="Conector reto 19">
-            <a:extLst>
-              <a:ext uri="{FF2B5EF4-FFF2-40B4-BE49-F238E27FC236}">
-                <a16:creationId xmlns:a16="http://schemas.microsoft.com/office/drawing/2014/main" id="{6231802C-BD44-4916-8A48-5779171ADAAB}"/>
-              </a:ext>
-            </a:extLst>
-          </p:cNvPr>
-          <p:cNvCxnSpPr>
-            <a:cxnSpLocks/>
-          </p:cNvCxnSpPr>
-          <p:nvPr/>
-        </p:nvCxnSpPr>
-        <p:spPr>
-          <a:xfrm>
-            <a:off x="7100888" y="708992"/>
-            <a:ext cx="2052637" cy="1815133"/>
-          </a:xfrm>
-          <a:prstGeom prst="line">
-            <a:avLst/>
-          </a:prstGeom>
-          <a:ln w="57150">
-            <a:solidFill>
-              <a:schemeClr val="tx1"/>
-            </a:solidFill>
-          </a:ln>
-        </p:spPr>
-        <p:style>
-          <a:lnRef idx="1">
-            <a:schemeClr val="accent1"/>
-          </a:lnRef>
-          <a:fillRef idx="0">
-            <a:schemeClr val="accent1"/>
-          </a:fillRef>
-          <a:effectRef idx="0">
-            <a:schemeClr val="accent1"/>
-          </a:effectRef>
-          <a:fontRef idx="minor">
-            <a:schemeClr val="tx1"/>
-          </a:fontRef>
-        </p:style>
-      </p:cxnSp>
-      <p:cxnSp>
-        <p:nvCxnSpPr>
-          <p:cNvPr id="1029" name="Conector reto 1028">
-            <a:extLst>
-              <a:ext uri="{FF2B5EF4-FFF2-40B4-BE49-F238E27FC236}">
-                <a16:creationId xmlns:a16="http://schemas.microsoft.com/office/drawing/2014/main" id="{EDA3341B-07BF-4C60-99D8-33CB67455C1C}"/>
-              </a:ext>
-            </a:extLst>
-          </p:cNvPr>
-          <p:cNvCxnSpPr>
-            <a:cxnSpLocks/>
-          </p:cNvCxnSpPr>
-          <p:nvPr/>
-        </p:nvCxnSpPr>
-        <p:spPr>
-          <a:xfrm>
-            <a:off x="6973129" y="1637576"/>
-            <a:ext cx="2305878" cy="0"/>
-          </a:xfrm>
-          <a:prstGeom prst="line">
-            <a:avLst/>
-          </a:prstGeom>
-          <a:ln w="19050" cap="flat" cmpd="sng" algn="ctr">
-            <a:solidFill>
-              <a:schemeClr val="dk1"/>
-            </a:solidFill>
-            <a:prstDash val="dash"/>
-            <a:round/>
-            <a:headEnd type="none" w="med" len="med"/>
-            <a:tailEnd type="none" w="med" len="med"/>
-          </a:ln>
-        </p:spPr>
-        <p:style>
-          <a:lnRef idx="0">
-            <a:scrgbClr r="0" g="0" b="0"/>
-          </a:lnRef>
-          <a:fillRef idx="0">
-            <a:scrgbClr r="0" g="0" b="0"/>
-          </a:fillRef>
-          <a:effectRef idx="0">
-            <a:scrgbClr r="0" g="0" b="0"/>
-          </a:effectRef>
-          <a:fontRef idx="minor">
-            <a:schemeClr val="tx1"/>
-          </a:fontRef>
-        </p:style>
-      </p:cxnSp>
-      <p:sp>
-        <p:nvSpPr>
-          <p:cNvPr id="16" name="Arco 15">
-            <a:extLst>
-              <a:ext uri="{FF2B5EF4-FFF2-40B4-BE49-F238E27FC236}">
-                <a16:creationId xmlns:a16="http://schemas.microsoft.com/office/drawing/2014/main" id="{3A7A8F6C-84AF-4B27-8BCA-33B511AB2F26}"/>
-              </a:ext>
-            </a:extLst>
-          </p:cNvPr>
-          <p:cNvSpPr/>
-          <p:nvPr/>
-        </p:nvSpPr>
-        <p:spPr>
-          <a:xfrm>
-            <a:off x="8038844" y="1545459"/>
-            <a:ext cx="266700" cy="200025"/>
-          </a:xfrm>
-          <a:prstGeom prst="arc">
-            <a:avLst/>
-          </a:prstGeom>
-        </p:spPr>
-        <p:style>
-          <a:lnRef idx="3">
-            <a:schemeClr val="dk1"/>
-          </a:lnRef>
-          <a:fillRef idx="0">
-            <a:schemeClr val="dk1"/>
-          </a:fillRef>
-          <a:effectRef idx="2">
-            <a:schemeClr val="dk1"/>
-          </a:effectRef>
-          <a:fontRef idx="minor">
-            <a:schemeClr val="tx1"/>
-          </a:fontRef>
-        </p:style>
-        <p:txBody>
-          <a:bodyPr rtlCol="0" anchor="ctr"/>
-          <a:lstStyle/>
-          <a:p>
-            <a:pPr algn="ctr"/>
-            <a:endParaRPr lang="pt-BR"/>
-          </a:p>
-        </p:txBody>
-      </p:sp>
-      <p:sp>
-        <p:nvSpPr>
-          <p:cNvPr id="42" name="CaixaDeTexto 41">
-            <a:extLst>
-              <a:ext uri="{FF2B5EF4-FFF2-40B4-BE49-F238E27FC236}">
-                <a16:creationId xmlns:a16="http://schemas.microsoft.com/office/drawing/2014/main" id="{C10A2F2D-994F-4D02-8CF3-463A2FD5F0FF}"/>
-              </a:ext>
-            </a:extLst>
-          </p:cNvPr>
-          <p:cNvSpPr txBox="1"/>
-          <p:nvPr/>
-        </p:nvSpPr>
-        <p:spPr>
-          <a:xfrm>
-            <a:off x="8582541" y="2465477"/>
-            <a:ext cx="2565767" cy="477054"/>
-          </a:xfrm>
-          <a:prstGeom prst="rect">
-            <a:avLst/>
-          </a:prstGeom>
-          <a:noFill/>
-        </p:spPr>
-        <p:txBody>
-          <a:bodyPr wrap="none" rtlCol="0">
-            <a:spAutoFit/>
-          </a:bodyPr>
-          <a:lstStyle/>
-          <a:p>
-            <a:r>
-              <a:rPr lang="pt-BR" sz="2500" b="1" dirty="0">
-                <a:latin typeface="Times New Roman" panose="02020603050405020304" pitchFamily="18" charset="0"/>
-                <a:cs typeface="Times New Roman" panose="02020603050405020304" pitchFamily="18" charset="0"/>
-              </a:rPr>
-              <a:t>Direção da borda</a:t>
-            </a:r>
-          </a:p>
-        </p:txBody>
-      </p:sp>
-    </p:spTree>
-    <p:extLst>
-      <p:ext uri="{BB962C8B-B14F-4D97-AF65-F5344CB8AC3E}">
-        <p14:creationId xmlns:p14="http://schemas.microsoft.com/office/powerpoint/2010/main" val="2778612547"/>
-      </p:ext>
-    </p:extLst>
-  </p:cSld>
-  <p:clrMapOvr>
-    <a:masterClrMapping/>
-  </p:clrMapOvr>
-</p:sld>
-</file>
-
-<file path=ppt/slides/slide2.xml><?xml version="1.0" encoding="utf-8"?>
-<p:sld xmlns:a="http://schemas.openxmlformats.org/drawingml/2006/main" xmlns:r="http://schemas.openxmlformats.org/officeDocument/2006/relationships" xmlns:p="http://schemas.openxmlformats.org/presentationml/2006/main">
-  <p:cSld>
-    <p:spTree>
-      <p:nvGrpSpPr>
-        <p:cNvPr id="1" name=""/>
-        <p:cNvGrpSpPr/>
-        <p:nvPr/>
-      </p:nvGrpSpPr>
-      <p:grpSpPr>
-        <a:xfrm>
-          <a:off x="0" y="0"/>
-          <a:ext cx="0" cy="0"/>
-          <a:chOff x="0" y="0"/>
-          <a:chExt cx="0" cy="0"/>
-        </a:xfrm>
-      </p:grpSpPr>
       <p:pic>
         <p:nvPicPr>
           <p:cNvPr id="1026" name="Picture 2" descr="Resultado de imagem para lena pixel">
@@ -3887,7 +4292,7 @@
           <p:nvPr/>
         </p:nvPicPr>
         <p:blipFill>
-          <a:blip r:embed="rId2">
+          <a:blip r:embed="rId3">
             <a:extLst>
               <a:ext uri="{28A0092B-C50C-407E-A947-70E740481C1C}">
                 <a14:useLocalDpi xmlns:a14="http://schemas.microsoft.com/office/drawing/2010/main" val="0"/>
@@ -3983,7 +4388,9 @@
           <p:nvPr/>
         </p:nvPicPr>
         <p:blipFill rotWithShape="1">
-          <a:blip r:embed="rId3"/>
+          <a:blip r:embed="rId2">
+            <a:biLevel thresh="75000"/>
+          </a:blip>
           <a:srcRect l="12609" t="30715" r="68478" b="44345"/>
           <a:stretch/>
         </p:blipFill>
@@ -3997,102 +4404,6 @@
           </a:prstGeom>
         </p:spPr>
       </p:pic>
-      <p:grpSp>
-        <p:nvGrpSpPr>
-          <p:cNvPr id="12" name="Agrupar 11">
-            <a:extLst>
-              <a:ext uri="{FF2B5EF4-FFF2-40B4-BE49-F238E27FC236}">
-                <a16:creationId xmlns:a16="http://schemas.microsoft.com/office/drawing/2014/main" id="{B31AF27A-4B14-4E81-8CB3-5EE5CF7A41A9}"/>
-              </a:ext>
-            </a:extLst>
-          </p:cNvPr>
-          <p:cNvGrpSpPr/>
-          <p:nvPr/>
-        </p:nvGrpSpPr>
-        <p:grpSpPr>
-          <a:xfrm>
-            <a:off x="7092398" y="2710071"/>
-            <a:ext cx="2305878" cy="1709530"/>
-            <a:chOff x="6973129" y="708992"/>
-            <a:chExt cx="2305878" cy="1709530"/>
-          </a:xfrm>
-        </p:grpSpPr>
-        <p:pic>
-          <p:nvPicPr>
-            <p:cNvPr id="11" name="Imagem 10">
-              <a:extLst>
-                <a:ext uri="{FF2B5EF4-FFF2-40B4-BE49-F238E27FC236}">
-                  <a16:creationId xmlns:a16="http://schemas.microsoft.com/office/drawing/2014/main" id="{2AFBFE78-0062-465D-8084-E5BE5BE01C99}"/>
-                </a:ext>
-              </a:extLst>
-            </p:cNvPr>
-            <p:cNvPicPr>
-              <a:picLocks noChangeAspect="1"/>
-            </p:cNvPicPr>
-            <p:nvPr/>
-          </p:nvPicPr>
-          <p:blipFill rotWithShape="1">
-            <a:blip r:embed="rId3"/>
-            <a:srcRect l="12609" t="30715" r="68478" b="44345"/>
-            <a:stretch/>
-          </p:blipFill>
-          <p:spPr>
-            <a:xfrm>
-              <a:off x="6973129" y="708992"/>
-              <a:ext cx="2305878" cy="1709530"/>
-            </a:xfrm>
-            <a:prstGeom prst="rect">
-              <a:avLst/>
-            </a:prstGeom>
-          </p:spPr>
-        </p:pic>
-        <p:sp>
-          <p:nvSpPr>
-            <p:cNvPr id="10" name="Retângulo 9">
-              <a:extLst>
-                <a:ext uri="{FF2B5EF4-FFF2-40B4-BE49-F238E27FC236}">
-                  <a16:creationId xmlns:a16="http://schemas.microsoft.com/office/drawing/2014/main" id="{9E3CF537-A060-4B45-806C-1F88819DD9FB}"/>
-                </a:ext>
-              </a:extLst>
-            </p:cNvPr>
-            <p:cNvSpPr/>
-            <p:nvPr/>
-          </p:nvSpPr>
-          <p:spPr>
-            <a:xfrm>
-              <a:off x="7881938" y="1419225"/>
-              <a:ext cx="447675" cy="342900"/>
-            </a:xfrm>
-            <a:prstGeom prst="rect">
-              <a:avLst/>
-            </a:prstGeom>
-          </p:spPr>
-          <p:style>
-            <a:lnRef idx="2">
-              <a:schemeClr val="accent1">
-                <a:shade val="50000"/>
-              </a:schemeClr>
-            </a:lnRef>
-            <a:fillRef idx="1">
-              <a:schemeClr val="accent1"/>
-            </a:fillRef>
-            <a:effectRef idx="0">
-              <a:schemeClr val="accent1"/>
-            </a:effectRef>
-            <a:fontRef idx="minor">
-              <a:schemeClr val="lt1"/>
-            </a:fontRef>
-          </p:style>
-          <p:txBody>
-            <a:bodyPr rtlCol="0" anchor="ctr"/>
-            <a:lstStyle/>
-            <a:p>
-              <a:pPr algn="ctr"/>
-              <a:endParaRPr lang="pt-BR"/>
-            </a:p>
-          </p:txBody>
-        </p:sp>
-      </p:grpSp>
       <p:cxnSp>
         <p:nvCxnSpPr>
           <p:cNvPr id="4" name="Conector reto 3">
@@ -4115,7 +4426,13 @@
           <a:prstGeom prst="line">
             <a:avLst/>
           </a:prstGeom>
-          <a:ln w="38100"/>
+          <a:ln w="38100">
+            <a:solidFill>
+              <a:schemeClr val="bg1">
+                <a:lumMod val="65000"/>
+              </a:schemeClr>
+            </a:solidFill>
+          </a:ln>
         </p:spPr>
         <p:style>
           <a:lnRef idx="1">
@@ -4154,7 +4471,13 @@
           <a:prstGeom prst="line">
             <a:avLst/>
           </a:prstGeom>
-          <a:ln w="38100"/>
+          <a:ln w="38100">
+            <a:solidFill>
+              <a:schemeClr val="bg1">
+                <a:lumMod val="65000"/>
+              </a:schemeClr>
+            </a:solidFill>
+          </a:ln>
         </p:spPr>
         <p:style>
           <a:lnRef idx="1">
@@ -4193,7 +4516,13 @@
           <a:prstGeom prst="line">
             <a:avLst/>
           </a:prstGeom>
-          <a:ln w="38100"/>
+          <a:ln w="38100">
+            <a:solidFill>
+              <a:schemeClr val="bg1">
+                <a:lumMod val="65000"/>
+              </a:schemeClr>
+            </a:solidFill>
+          </a:ln>
         </p:spPr>
         <p:style>
           <a:lnRef idx="1">
@@ -4232,7 +4561,13 @@
           <a:prstGeom prst="line">
             <a:avLst/>
           </a:prstGeom>
-          <a:ln w="38100"/>
+          <a:ln w="38100">
+            <a:solidFill>
+              <a:schemeClr val="bg1">
+                <a:lumMod val="65000"/>
+              </a:schemeClr>
+            </a:solidFill>
+          </a:ln>
         </p:spPr>
         <p:style>
           <a:lnRef idx="1">
@@ -4815,10 +5150,10 @@
       </p:graphicFrame>
       <p:pic>
         <p:nvPicPr>
-          <p:cNvPr id="13" name="Imagem 12">
-            <a:extLst>
-              <a:ext uri="{FF2B5EF4-FFF2-40B4-BE49-F238E27FC236}">
-                <a16:creationId xmlns:a16="http://schemas.microsoft.com/office/drawing/2014/main" id="{88EDE07C-2EB2-491F-8B19-EB26E41E916D}"/>
+          <p:cNvPr id="3" name="Imagem 2">
+            <a:extLst>
+              <a:ext uri="{FF2B5EF4-FFF2-40B4-BE49-F238E27FC236}">
+                <a16:creationId xmlns:a16="http://schemas.microsoft.com/office/drawing/2014/main" id="{995DDE25-9F54-43E8-9839-E8AA551C19DA}"/>
               </a:ext>
             </a:extLst>
           </p:cNvPr>
@@ -4829,13 +5164,13 @@
         </p:nvPicPr>
         <p:blipFill rotWithShape="1">
           <a:blip r:embed="rId4"/>
-          <a:srcRect l="58958" t="46780" r="22129" b="18522"/>
+          <a:srcRect l="58173" t="47148" r="23913" b="17472"/>
           <a:stretch/>
         </p:blipFill>
         <p:spPr>
           <a:xfrm>
-            <a:off x="9317383" y="229071"/>
-            <a:ext cx="2305878" cy="2378432"/>
+            <a:off x="9716328" y="19878"/>
+            <a:ext cx="2184124" cy="2425148"/>
           </a:xfrm>
           <a:prstGeom prst="rect">
             <a:avLst/>
@@ -4855,7 +5190,7 @@
 </p:sld>
 </file>
 
-<file path=ppt/slides/slide3.xml><?xml version="1.0" encoding="utf-8"?>
+<file path=ppt/slides/slide4.xml><?xml version="1.0" encoding="utf-8"?>
 <p:sld xmlns:a="http://schemas.openxmlformats.org/drawingml/2006/main" xmlns:r="http://schemas.openxmlformats.org/officeDocument/2006/relationships" xmlns:p="http://schemas.openxmlformats.org/presentationml/2006/main">
   <p:cSld>
     <p:spTree>
@@ -7593,7 +7928,212 @@
 </p:sld>
 </file>
 
-<file path=ppt/slides/slide4.xml><?xml version="1.0" encoding="utf-8"?>
+<file path=ppt/slides/slide5.xml><?xml version="1.0" encoding="utf-8"?>
+<p:sld xmlns:a="http://schemas.openxmlformats.org/drawingml/2006/main" xmlns:r="http://schemas.openxmlformats.org/officeDocument/2006/relationships" xmlns:p="http://schemas.openxmlformats.org/presentationml/2006/main">
+  <p:cSld>
+    <p:spTree>
+      <p:nvGrpSpPr>
+        <p:cNvPr id="1" name=""/>
+        <p:cNvGrpSpPr/>
+        <p:nvPr/>
+      </p:nvGrpSpPr>
+      <p:grpSpPr>
+        <a:xfrm>
+          <a:off x="0" y="0"/>
+          <a:ext cx="0" cy="0"/>
+          <a:chOff x="0" y="0"/>
+          <a:chExt cx="0" cy="0"/>
+        </a:xfrm>
+      </p:grpSpPr>
+      <p:sp>
+        <p:nvSpPr>
+          <p:cNvPr id="4" name="CaixaDeTexto 3">
+            <a:extLst>
+              <a:ext uri="{FF2B5EF4-FFF2-40B4-BE49-F238E27FC236}">
+                <a16:creationId xmlns:a16="http://schemas.microsoft.com/office/drawing/2014/main" id="{2721D673-7781-4112-B8C2-2660A5DF567D}"/>
+              </a:ext>
+            </a:extLst>
+          </p:cNvPr>
+          <p:cNvSpPr txBox="1"/>
+          <p:nvPr/>
+        </p:nvSpPr>
+        <p:spPr>
+          <a:xfrm>
+            <a:off x="1036116" y="1015306"/>
+            <a:ext cx="8707833" cy="323165"/>
+          </a:xfrm>
+          <a:prstGeom prst="rect">
+            <a:avLst/>
+          </a:prstGeom>
+          <a:noFill/>
+        </p:spPr>
+        <p:txBody>
+          <a:bodyPr wrap="none" rtlCol="0">
+            <a:spAutoFit/>
+          </a:bodyPr>
+          <a:lstStyle/>
+          <a:p>
+            <a:r>
+              <a:rPr lang="pt-BR" sz="1500" dirty="0">
+                <a:latin typeface="Times New Roman" panose="02020603050405020304" pitchFamily="18" charset="0"/>
+                <a:cs typeface="Times New Roman" panose="02020603050405020304" pitchFamily="18" charset="0"/>
+              </a:rPr>
+              <a:t>(a)					(b)				(c)</a:t>
+            </a:r>
+          </a:p>
+        </p:txBody>
+      </p:sp>
+      <p:pic>
+        <p:nvPicPr>
+          <p:cNvPr id="17" name="Imagem 16">
+            <a:extLst>
+              <a:ext uri="{FF2B5EF4-FFF2-40B4-BE49-F238E27FC236}">
+                <a16:creationId xmlns:a16="http://schemas.microsoft.com/office/drawing/2014/main" id="{6BF3A002-57B6-4F31-98A1-B9BE755EA1FB}"/>
+              </a:ext>
+            </a:extLst>
+          </p:cNvPr>
+          <p:cNvPicPr>
+            <a:picLocks noChangeAspect="1"/>
+          </p:cNvPicPr>
+          <p:nvPr/>
+        </p:nvPicPr>
+        <p:blipFill>
+          <a:blip r:embed="rId2">
+            <a:extLst>
+              <a:ext uri="{28A0092B-C50C-407E-A947-70E740481C1C}">
+                <a14:useLocalDpi xmlns:a14="http://schemas.microsoft.com/office/drawing/2010/main" val="0"/>
+              </a:ext>
+            </a:extLst>
+          </a:blip>
+          <a:stretch>
+            <a:fillRect/>
+          </a:stretch>
+        </p:blipFill>
+        <p:spPr>
+          <a:xfrm>
+            <a:off x="8252793" y="1348408"/>
+            <a:ext cx="3594651" cy="3594651"/>
+          </a:xfrm>
+          <a:prstGeom prst="rect">
+            <a:avLst/>
+          </a:prstGeom>
+        </p:spPr>
+      </p:pic>
+      <p:pic>
+        <p:nvPicPr>
+          <p:cNvPr id="21" name="Imagem 20">
+            <a:extLst>
+              <a:ext uri="{FF2B5EF4-FFF2-40B4-BE49-F238E27FC236}">
+                <a16:creationId xmlns:a16="http://schemas.microsoft.com/office/drawing/2014/main" id="{0C30A776-3AA7-4A71-9563-5E5CFA0F1A5D}"/>
+              </a:ext>
+            </a:extLst>
+          </p:cNvPr>
+          <p:cNvPicPr>
+            <a:picLocks noChangeAspect="1"/>
+          </p:cNvPicPr>
+          <p:nvPr/>
+        </p:nvPicPr>
+        <p:blipFill>
+          <a:blip r:embed="rId3">
+            <a:extLst>
+              <a:ext uri="{28A0092B-C50C-407E-A947-70E740481C1C}">
+                <a14:useLocalDpi xmlns:a14="http://schemas.microsoft.com/office/drawing/2010/main" val="0"/>
+              </a:ext>
+            </a:extLst>
+          </a:blip>
+          <a:stretch>
+            <a:fillRect/>
+          </a:stretch>
+        </p:blipFill>
+        <p:spPr>
+          <a:xfrm>
+            <a:off x="911089" y="1348406"/>
+            <a:ext cx="3594651" cy="3594651"/>
+          </a:xfrm>
+          <a:prstGeom prst="rect">
+            <a:avLst/>
+          </a:prstGeom>
+        </p:spPr>
+      </p:pic>
+      <p:pic>
+        <p:nvPicPr>
+          <p:cNvPr id="23" name="Imagem 22">
+            <a:extLst>
+              <a:ext uri="{FF2B5EF4-FFF2-40B4-BE49-F238E27FC236}">
+                <a16:creationId xmlns:a16="http://schemas.microsoft.com/office/drawing/2014/main" id="{0BC7EDC6-911F-4508-9AEF-3047E66AC9B2}"/>
+              </a:ext>
+            </a:extLst>
+          </p:cNvPr>
+          <p:cNvPicPr>
+            <a:picLocks noChangeAspect="1"/>
+          </p:cNvPicPr>
+          <p:nvPr/>
+        </p:nvPicPr>
+        <p:blipFill>
+          <a:blip r:embed="rId2">
+            <a:extLst>
+              <a:ext uri="{28A0092B-C50C-407E-A947-70E740481C1C}">
+                <a14:useLocalDpi xmlns:a14="http://schemas.microsoft.com/office/drawing/2010/main" val="0"/>
+              </a:ext>
+            </a:extLst>
+          </a:blip>
+          <a:stretch>
+            <a:fillRect/>
+          </a:stretch>
+        </p:blipFill>
+        <p:spPr>
+          <a:xfrm>
+            <a:off x="4581941" y="1338471"/>
+            <a:ext cx="3594651" cy="3594651"/>
+          </a:xfrm>
+          <a:prstGeom prst="rect">
+            <a:avLst/>
+          </a:prstGeom>
+        </p:spPr>
+      </p:pic>
+      <p:pic>
+        <p:nvPicPr>
+          <p:cNvPr id="24" name="Imagem 23">
+            <a:extLst>
+              <a:ext uri="{FF2B5EF4-FFF2-40B4-BE49-F238E27FC236}">
+                <a16:creationId xmlns:a16="http://schemas.microsoft.com/office/drawing/2014/main" id="{1530A710-A2FB-407D-B45C-89643613FFEF}"/>
+              </a:ext>
+            </a:extLst>
+          </p:cNvPr>
+          <p:cNvPicPr>
+            <a:picLocks noChangeAspect="1"/>
+          </p:cNvPicPr>
+          <p:nvPr/>
+        </p:nvPicPr>
+        <p:blipFill rotWithShape="1">
+          <a:blip r:embed="rId4"/>
+          <a:srcRect l="28578" t="32069" r="10870" b="28056"/>
+          <a:stretch/>
+        </p:blipFill>
+        <p:spPr>
+          <a:xfrm>
+            <a:off x="3484166" y="2199861"/>
+            <a:ext cx="7382617" cy="2733262"/>
+          </a:xfrm>
+          <a:prstGeom prst="rect">
+            <a:avLst/>
+          </a:prstGeom>
+        </p:spPr>
+      </p:pic>
+    </p:spTree>
+    <p:extLst>
+      <p:ext uri="{BB962C8B-B14F-4D97-AF65-F5344CB8AC3E}">
+        <p14:creationId xmlns:p14="http://schemas.microsoft.com/office/powerpoint/2010/main" val="3505721109"/>
+      </p:ext>
+    </p:extLst>
+  </p:cSld>
+  <p:clrMapOvr>
+    <a:masterClrMapping/>
+  </p:clrMapOvr>
+</p:sld>
+</file>
+
+<file path=ppt/slides/slide6.xml><?xml version="1.0" encoding="utf-8"?>
 <p:sld xmlns:a="http://schemas.openxmlformats.org/drawingml/2006/main" xmlns:r="http://schemas.openxmlformats.org/officeDocument/2006/relationships" xmlns:p="http://schemas.openxmlformats.org/presentationml/2006/main">
   <p:cSld>
     <p:spTree>
@@ -7615,7 +8155,7 @@
           <p:cNvPr id="2" name="Imagem 1">
             <a:extLst>
               <a:ext uri="{FF2B5EF4-FFF2-40B4-BE49-F238E27FC236}">
-                <a16:creationId xmlns:a16="http://schemas.microsoft.com/office/drawing/2014/main" id="{FB321CD8-3960-4F7B-85D4-B224D5DB6431}"/>
+                <a16:creationId xmlns:a16="http://schemas.microsoft.com/office/drawing/2014/main" id="{584ECA06-5E6A-4A5C-8626-AAA9A2AD213B}"/>
               </a:ext>
             </a:extLst>
           </p:cNvPr>
@@ -7626,17 +8166,22 @@
         </p:nvPicPr>
         <p:blipFill rotWithShape="1">
           <a:blip r:embed="rId2"/>
-          <a:srcRect l="20326" t="18100" r="20652" b="16553"/>
+          <a:srcRect l="3347" t="24808" r="61731" b="45844"/>
           <a:stretch/>
         </p:blipFill>
         <p:spPr>
           <a:xfrm>
-            <a:off x="4651514" y="1338471"/>
-            <a:ext cx="7195930" cy="4479235"/>
+            <a:off x="1813169" y="599844"/>
+            <a:ext cx="5210483" cy="2461846"/>
           </a:xfrm>
           <a:prstGeom prst="rect">
             <a:avLst/>
           </a:prstGeom>
+          <a:ln>
+            <a:solidFill>
+              <a:schemeClr val="tx1"/>
+            </a:solidFill>
+          </a:ln>
         </p:spPr>
       </p:pic>
       <p:pic>
@@ -7644,7 +8189,7 @@
           <p:cNvPr id="3" name="Imagem 2">
             <a:extLst>
               <a:ext uri="{FF2B5EF4-FFF2-40B4-BE49-F238E27FC236}">
-                <a16:creationId xmlns:a16="http://schemas.microsoft.com/office/drawing/2014/main" id="{2E7E04AB-90DA-4AF7-92DB-F70F9133D359}"/>
+                <a16:creationId xmlns:a16="http://schemas.microsoft.com/office/drawing/2014/main" id="{5A64ED1E-6A7C-4625-AFBC-9FD2E09D6B18}"/>
               </a:ext>
             </a:extLst>
           </p:cNvPr>
@@ -7655,33 +8200,74 @@
         </p:nvPicPr>
         <p:blipFill rotWithShape="1">
           <a:blip r:embed="rId3"/>
-          <a:srcRect l="34962" t="18035" r="35384" b="16618"/>
+          <a:srcRect l="2538" t="21320" r="61913" b="46254"/>
           <a:stretch/>
         </p:blipFill>
         <p:spPr>
           <a:xfrm>
-            <a:off x="1036116" y="1338471"/>
-            <a:ext cx="3615398" cy="4479235"/>
+            <a:off x="1813169" y="3429000"/>
+            <a:ext cx="5210483" cy="2672079"/>
           </a:xfrm>
           <a:prstGeom prst="rect">
             <a:avLst/>
           </a:prstGeom>
           <a:ln>
             <a:solidFill>
-              <a:schemeClr val="tx1">
-                <a:lumMod val="65000"/>
-                <a:lumOff val="35000"/>
-              </a:schemeClr>
+              <a:schemeClr val="tx1"/>
             </a:solidFill>
           </a:ln>
         </p:spPr>
       </p:pic>
+      <p:cxnSp>
+        <p:nvCxnSpPr>
+          <p:cNvPr id="5" name="Conector de Seta Reta 4">
+            <a:extLst>
+              <a:ext uri="{FF2B5EF4-FFF2-40B4-BE49-F238E27FC236}">
+                <a16:creationId xmlns:a16="http://schemas.microsoft.com/office/drawing/2014/main" id="{78A56B27-64F8-4121-89B6-09D11A7FCC90}"/>
+              </a:ext>
+            </a:extLst>
+          </p:cNvPr>
+          <p:cNvCxnSpPr>
+            <a:cxnSpLocks/>
+          </p:cNvCxnSpPr>
+          <p:nvPr/>
+        </p:nvCxnSpPr>
+        <p:spPr>
+          <a:xfrm flipV="1">
+            <a:off x="1444487" y="1025758"/>
+            <a:ext cx="4956313" cy="1134346"/>
+          </a:xfrm>
+          <a:prstGeom prst="straightConnector1">
+            <a:avLst/>
+          </a:prstGeom>
+          <a:ln w="57150">
+            <a:solidFill>
+              <a:schemeClr val="tx1"/>
+            </a:solidFill>
+            <a:tailEnd type="triangle"/>
+          </a:ln>
+        </p:spPr>
+        <p:style>
+          <a:lnRef idx="1">
+            <a:schemeClr val="accent1"/>
+          </a:lnRef>
+          <a:fillRef idx="0">
+            <a:schemeClr val="accent1"/>
+          </a:fillRef>
+          <a:effectRef idx="0">
+            <a:schemeClr val="accent1"/>
+          </a:effectRef>
+          <a:fontRef idx="minor">
+            <a:schemeClr val="tx1"/>
+          </a:fontRef>
+        </p:style>
+      </p:cxnSp>
       <p:sp>
         <p:nvSpPr>
-          <p:cNvPr id="4" name="CaixaDeTexto 3">
-            <a:extLst>
-              <a:ext uri="{FF2B5EF4-FFF2-40B4-BE49-F238E27FC236}">
-                <a16:creationId xmlns:a16="http://schemas.microsoft.com/office/drawing/2014/main" id="{2721D673-7781-4112-B8C2-2660A5DF567D}"/>
+          <p:cNvPr id="12" name="CaixaDeTexto 11">
+            <a:extLst>
+              <a:ext uri="{FF2B5EF4-FFF2-40B4-BE49-F238E27FC236}">
+                <a16:creationId xmlns:a16="http://schemas.microsoft.com/office/drawing/2014/main" id="{4E4EA010-C069-4457-BAE8-3D8DC6D7105A}"/>
               </a:ext>
             </a:extLst>
           </p:cNvPr>
@@ -7690,8 +8276,8 @@
         </p:nvSpPr>
         <p:spPr>
           <a:xfrm>
-            <a:off x="1036116" y="1015306"/>
-            <a:ext cx="8707833" cy="323165"/>
+            <a:off x="1517895" y="202221"/>
+            <a:ext cx="295274" cy="369332"/>
           </a:xfrm>
           <a:prstGeom prst="rect">
             <a:avLst/>
@@ -7705,21 +8291,53 @@
           <a:lstStyle/>
           <a:p>
             <a:r>
-              <a:rPr lang="pt-BR" sz="1500" dirty="0">
-                <a:latin typeface="Times New Roman" panose="02020603050405020304" pitchFamily="18" charset="0"/>
-                <a:cs typeface="Times New Roman" panose="02020603050405020304" pitchFamily="18" charset="0"/>
-              </a:rPr>
-              <a:t>(a)					(b)				(c)</a:t>
+              <a:rPr lang="pt-BR" dirty="0"/>
+              <a:t>a</a:t>
+            </a:r>
+          </a:p>
+        </p:txBody>
+      </p:sp>
+      <p:sp>
+        <p:nvSpPr>
+          <p:cNvPr id="13" name="CaixaDeTexto 12">
+            <a:extLst>
+              <a:ext uri="{FF2B5EF4-FFF2-40B4-BE49-F238E27FC236}">
+                <a16:creationId xmlns:a16="http://schemas.microsoft.com/office/drawing/2014/main" id="{5A507661-BA9D-403F-9366-A38DFC1587F4}"/>
+              </a:ext>
+            </a:extLst>
+          </p:cNvPr>
+          <p:cNvSpPr txBox="1"/>
+          <p:nvPr/>
+        </p:nvSpPr>
+        <p:spPr>
+          <a:xfrm>
+            <a:off x="1542021" y="3097212"/>
+            <a:ext cx="306494" cy="369332"/>
+          </a:xfrm>
+          <a:prstGeom prst="rect">
+            <a:avLst/>
+          </a:prstGeom>
+          <a:noFill/>
+        </p:spPr>
+        <p:txBody>
+          <a:bodyPr wrap="none" rtlCol="0">
+            <a:spAutoFit/>
+          </a:bodyPr>
+          <a:lstStyle/>
+          <a:p>
+            <a:r>
+              <a:rPr lang="pt-BR" dirty="0"/>
+              <a:t>b</a:t>
             </a:r>
           </a:p>
         </p:txBody>
       </p:sp>
       <p:pic>
         <p:nvPicPr>
-          <p:cNvPr id="7" name="Imagem 6">
-            <a:extLst>
-              <a:ext uri="{FF2B5EF4-FFF2-40B4-BE49-F238E27FC236}">
-                <a16:creationId xmlns:a16="http://schemas.microsoft.com/office/drawing/2014/main" id="{25E45FAF-5619-4D24-8337-BD8DAF176A51}"/>
+          <p:cNvPr id="15" name="Imagem 14">
+            <a:extLst>
+              <a:ext uri="{FF2B5EF4-FFF2-40B4-BE49-F238E27FC236}">
+                <a16:creationId xmlns:a16="http://schemas.microsoft.com/office/drawing/2014/main" id="{8D984809-C070-4B4F-95FF-EC6B0803786C}"/>
               </a:ext>
             </a:extLst>
           </p:cNvPr>
@@ -7730,13 +8348,13 @@
         </p:nvPicPr>
         <p:blipFill rotWithShape="1">
           <a:blip r:embed="rId4"/>
-          <a:srcRect l="28578" t="32070" r="10435" b="19501"/>
+          <a:srcRect l="31630" t="24142" r="36740" b="16505"/>
           <a:stretch/>
         </p:blipFill>
         <p:spPr>
           <a:xfrm>
-            <a:off x="3484166" y="2199862"/>
-            <a:ext cx="7435625" cy="3319668"/>
+            <a:off x="3856382" y="1656522"/>
+            <a:ext cx="3856383" cy="4068417"/>
           </a:xfrm>
           <a:prstGeom prst="rect">
             <a:avLst/>
@@ -7746,7 +8364,369 @@
     </p:spTree>
     <p:extLst>
       <p:ext uri="{BB962C8B-B14F-4D97-AF65-F5344CB8AC3E}">
-        <p14:creationId xmlns:p14="http://schemas.microsoft.com/office/powerpoint/2010/main" val="3505721109"/>
+        <p14:creationId xmlns:p14="http://schemas.microsoft.com/office/powerpoint/2010/main" val="53382388"/>
+      </p:ext>
+    </p:extLst>
+  </p:cSld>
+  <p:clrMapOvr>
+    <a:masterClrMapping/>
+  </p:clrMapOvr>
+</p:sld>
+</file>
+
+<file path=ppt/slides/slide7.xml><?xml version="1.0" encoding="utf-8"?>
+<p:sld xmlns:a="http://schemas.openxmlformats.org/drawingml/2006/main" xmlns:r="http://schemas.openxmlformats.org/officeDocument/2006/relationships" xmlns:p="http://schemas.openxmlformats.org/presentationml/2006/main">
+  <p:cSld>
+    <p:spTree>
+      <p:nvGrpSpPr>
+        <p:cNvPr id="1" name=""/>
+        <p:cNvGrpSpPr/>
+        <p:nvPr/>
+      </p:nvGrpSpPr>
+      <p:grpSpPr>
+        <a:xfrm>
+          <a:off x="0" y="0"/>
+          <a:ext cx="0" cy="0"/>
+          <a:chOff x="0" y="0"/>
+          <a:chExt cx="0" cy="0"/>
+        </a:xfrm>
+      </p:grpSpPr>
+      <p:pic>
+        <p:nvPicPr>
+          <p:cNvPr id="3" name="Imagem 2">
+            <a:extLst>
+              <a:ext uri="{FF2B5EF4-FFF2-40B4-BE49-F238E27FC236}">
+                <a16:creationId xmlns:a16="http://schemas.microsoft.com/office/drawing/2014/main" id="{CC59A924-0BD8-4925-860E-B6E8447540E6}"/>
+              </a:ext>
+            </a:extLst>
+          </p:cNvPr>
+          <p:cNvPicPr>
+            <a:picLocks noChangeAspect="1"/>
+          </p:cNvPicPr>
+          <p:nvPr/>
+        </p:nvPicPr>
+        <p:blipFill>
+          <a:blip r:embed="rId2">
+            <a:extLst>
+              <a:ext uri="{28A0092B-C50C-407E-A947-70E740481C1C}">
+                <a14:useLocalDpi xmlns:a14="http://schemas.microsoft.com/office/drawing/2010/main" val="0"/>
+              </a:ext>
+            </a:extLst>
+          </a:blip>
+          <a:stretch>
+            <a:fillRect/>
+          </a:stretch>
+        </p:blipFill>
+        <p:spPr>
+          <a:xfrm>
+            <a:off x="8805766" y="2004438"/>
+            <a:ext cx="1078681" cy="1078681"/>
+          </a:xfrm>
+          <a:prstGeom prst="rect">
+            <a:avLst/>
+          </a:prstGeom>
+        </p:spPr>
+      </p:pic>
+      <p:pic>
+        <p:nvPicPr>
+          <p:cNvPr id="6" name="Imagem 5">
+            <a:extLst>
+              <a:ext uri="{FF2B5EF4-FFF2-40B4-BE49-F238E27FC236}">
+                <a16:creationId xmlns:a16="http://schemas.microsoft.com/office/drawing/2014/main" id="{ABA78987-463C-4EA1-8E1C-595462389B6F}"/>
+              </a:ext>
+            </a:extLst>
+          </p:cNvPr>
+          <p:cNvPicPr>
+            <a:picLocks noChangeAspect="1"/>
+          </p:cNvPicPr>
+          <p:nvPr/>
+        </p:nvPicPr>
+        <p:blipFill rotWithShape="1">
+          <a:blip r:embed="rId3"/>
+          <a:srcRect l="2885" t="23577" r="61692" b="44818"/>
+          <a:stretch/>
+        </p:blipFill>
+        <p:spPr>
+          <a:xfrm>
+            <a:off x="2321168" y="796316"/>
+            <a:ext cx="4816800" cy="2416245"/>
+          </a:xfrm>
+          <a:prstGeom prst="rect">
+            <a:avLst/>
+          </a:prstGeom>
+          <a:ln>
+            <a:solidFill>
+              <a:schemeClr val="tx1"/>
+            </a:solidFill>
+          </a:ln>
+        </p:spPr>
+      </p:pic>
+      <p:pic>
+        <p:nvPicPr>
+          <p:cNvPr id="5" name="Imagem 4">
+            <a:extLst>
+              <a:ext uri="{FF2B5EF4-FFF2-40B4-BE49-F238E27FC236}">
+                <a16:creationId xmlns:a16="http://schemas.microsoft.com/office/drawing/2014/main" id="{0CC0257F-68DE-4EB8-BFA7-008B18BCFCA6}"/>
+              </a:ext>
+            </a:extLst>
+          </p:cNvPr>
+          <p:cNvPicPr>
+            <a:picLocks noChangeAspect="1"/>
+          </p:cNvPicPr>
+          <p:nvPr/>
+        </p:nvPicPr>
+        <p:blipFill rotWithShape="1">
+          <a:blip r:embed="rId4">
+            <a:extLst>
+              <a:ext uri="{28A0092B-C50C-407E-A947-70E740481C1C}">
+                <a14:useLocalDpi xmlns:a14="http://schemas.microsoft.com/office/drawing/2010/main" val="0"/>
+              </a:ext>
+            </a:extLst>
+          </a:blip>
+          <a:srcRect r="18794" b="12893"/>
+          <a:stretch/>
+        </p:blipFill>
+        <p:spPr>
+          <a:xfrm>
+            <a:off x="8792151" y="3617049"/>
+            <a:ext cx="1078681" cy="1078681"/>
+          </a:xfrm>
+          <a:prstGeom prst="rect">
+            <a:avLst/>
+          </a:prstGeom>
+          <a:ln>
+            <a:solidFill>
+              <a:schemeClr val="tx1"/>
+            </a:solidFill>
+          </a:ln>
+        </p:spPr>
+      </p:pic>
+      <p:pic>
+        <p:nvPicPr>
+          <p:cNvPr id="7" name="Imagem 6">
+            <a:extLst>
+              <a:ext uri="{FF2B5EF4-FFF2-40B4-BE49-F238E27FC236}">
+                <a16:creationId xmlns:a16="http://schemas.microsoft.com/office/drawing/2014/main" id="{66617EEE-E22A-4348-A1B4-EA4D5CFD4AC7}"/>
+              </a:ext>
+            </a:extLst>
+          </p:cNvPr>
+          <p:cNvPicPr>
+            <a:picLocks noChangeAspect="1"/>
+          </p:cNvPicPr>
+          <p:nvPr/>
+        </p:nvPicPr>
+        <p:blipFill rotWithShape="1">
+          <a:blip r:embed="rId5"/>
+          <a:srcRect l="2769" t="23782" r="60654" b="44818"/>
+          <a:stretch/>
+        </p:blipFill>
+        <p:spPr>
+          <a:xfrm>
+            <a:off x="2321168" y="3931322"/>
+            <a:ext cx="4816800" cy="2324828"/>
+          </a:xfrm>
+          <a:prstGeom prst="rect">
+            <a:avLst/>
+          </a:prstGeom>
+          <a:ln>
+            <a:solidFill>
+              <a:schemeClr val="tx1"/>
+            </a:solidFill>
+          </a:ln>
+        </p:spPr>
+      </p:pic>
+      <p:sp>
+        <p:nvSpPr>
+          <p:cNvPr id="9" name="CaixaDeTexto 8">
+            <a:extLst>
+              <a:ext uri="{FF2B5EF4-FFF2-40B4-BE49-F238E27FC236}">
+                <a16:creationId xmlns:a16="http://schemas.microsoft.com/office/drawing/2014/main" id="{3E270F78-FCFE-419E-AE2F-B86B2D6069DE}"/>
+              </a:ext>
+            </a:extLst>
+          </p:cNvPr>
+          <p:cNvSpPr txBox="1"/>
+          <p:nvPr/>
+        </p:nvSpPr>
+        <p:spPr>
+          <a:xfrm>
+            <a:off x="8412118" y="1677397"/>
+            <a:ext cx="295274" cy="369332"/>
+          </a:xfrm>
+          <a:prstGeom prst="rect">
+            <a:avLst/>
+          </a:prstGeom>
+          <a:noFill/>
+        </p:spPr>
+        <p:txBody>
+          <a:bodyPr wrap="none" rtlCol="0">
+            <a:spAutoFit/>
+          </a:bodyPr>
+          <a:lstStyle/>
+          <a:p>
+            <a:r>
+              <a:rPr lang="pt-BR" dirty="0"/>
+              <a:t>a</a:t>
+            </a:r>
+          </a:p>
+        </p:txBody>
+      </p:sp>
+      <p:sp>
+        <p:nvSpPr>
+          <p:cNvPr id="10" name="CaixaDeTexto 9">
+            <a:extLst>
+              <a:ext uri="{FF2B5EF4-FFF2-40B4-BE49-F238E27FC236}">
+                <a16:creationId xmlns:a16="http://schemas.microsoft.com/office/drawing/2014/main" id="{E3CF7654-AD8B-45C3-B887-A7843DD4C24F}"/>
+              </a:ext>
+            </a:extLst>
+          </p:cNvPr>
+          <p:cNvSpPr txBox="1"/>
+          <p:nvPr/>
+        </p:nvSpPr>
+        <p:spPr>
+          <a:xfrm>
+            <a:off x="8412118" y="3367983"/>
+            <a:ext cx="306494" cy="369332"/>
+          </a:xfrm>
+          <a:prstGeom prst="rect">
+            <a:avLst/>
+          </a:prstGeom>
+          <a:noFill/>
+        </p:spPr>
+        <p:txBody>
+          <a:bodyPr wrap="none" rtlCol="0">
+            <a:spAutoFit/>
+          </a:bodyPr>
+          <a:lstStyle/>
+          <a:p>
+            <a:r>
+              <a:rPr lang="pt-BR" dirty="0"/>
+              <a:t>b</a:t>
+            </a:r>
+          </a:p>
+        </p:txBody>
+      </p:sp>
+      <p:pic>
+        <p:nvPicPr>
+          <p:cNvPr id="11" name="Imagem 10">
+            <a:extLst>
+              <a:ext uri="{FF2B5EF4-FFF2-40B4-BE49-F238E27FC236}">
+                <a16:creationId xmlns:a16="http://schemas.microsoft.com/office/drawing/2014/main" id="{647E8468-E7A0-4B7B-BE07-51DEEAB1C746}"/>
+              </a:ext>
+            </a:extLst>
+          </p:cNvPr>
+          <p:cNvPicPr>
+            <a:picLocks noChangeAspect="1"/>
+          </p:cNvPicPr>
+          <p:nvPr/>
+        </p:nvPicPr>
+        <p:blipFill rotWithShape="1">
+          <a:blip r:embed="rId6"/>
+          <a:srcRect l="33478" t="26654" r="36088" b="14379"/>
+          <a:stretch/>
+        </p:blipFill>
+        <p:spPr>
+          <a:xfrm>
+            <a:off x="2321168" y="1677397"/>
+            <a:ext cx="3710608" cy="4041913"/>
+          </a:xfrm>
+          <a:prstGeom prst="rect">
+            <a:avLst/>
+          </a:prstGeom>
+        </p:spPr>
+      </p:pic>
+      <p:pic>
+        <p:nvPicPr>
+          <p:cNvPr id="12" name="Imagem 11">
+            <a:extLst>
+              <a:ext uri="{FF2B5EF4-FFF2-40B4-BE49-F238E27FC236}">
+                <a16:creationId xmlns:a16="http://schemas.microsoft.com/office/drawing/2014/main" id="{3582B589-51A1-4DE7-95A5-13CFAA56DA9A}"/>
+              </a:ext>
+            </a:extLst>
+          </p:cNvPr>
+          <p:cNvPicPr>
+            <a:picLocks noChangeAspect="1"/>
+          </p:cNvPicPr>
+          <p:nvPr/>
+        </p:nvPicPr>
+        <p:blipFill rotWithShape="1">
+          <a:blip r:embed="rId7"/>
+          <a:srcRect l="68997" t="38835" r="20217" b="29834"/>
+          <a:stretch/>
+        </p:blipFill>
+        <p:spPr>
+          <a:xfrm>
+            <a:off x="8412118" y="2663687"/>
+            <a:ext cx="1314978" cy="2147585"/>
+          </a:xfrm>
+          <a:prstGeom prst="rect">
+            <a:avLst/>
+          </a:prstGeom>
+        </p:spPr>
+      </p:pic>
+    </p:spTree>
+    <p:extLst>
+      <p:ext uri="{BB962C8B-B14F-4D97-AF65-F5344CB8AC3E}">
+        <p14:creationId xmlns:p14="http://schemas.microsoft.com/office/powerpoint/2010/main" val="1284772010"/>
+      </p:ext>
+    </p:extLst>
+  </p:cSld>
+  <p:clrMapOvr>
+    <a:masterClrMapping/>
+  </p:clrMapOvr>
+</p:sld>
+</file>
+
+<file path=ppt/slides/slide8.xml><?xml version="1.0" encoding="utf-8"?>
+<p:sld xmlns:a="http://schemas.openxmlformats.org/drawingml/2006/main" xmlns:r="http://schemas.openxmlformats.org/officeDocument/2006/relationships" xmlns:p="http://schemas.openxmlformats.org/presentationml/2006/main">
+  <p:cSld>
+    <p:spTree>
+      <p:nvGrpSpPr>
+        <p:cNvPr id="1" name=""/>
+        <p:cNvGrpSpPr/>
+        <p:nvPr/>
+      </p:nvGrpSpPr>
+      <p:grpSpPr>
+        <a:xfrm>
+          <a:off x="0" y="0"/>
+          <a:ext cx="0" cy="0"/>
+          <a:chOff x="0" y="0"/>
+          <a:chExt cx="0" cy="0"/>
+        </a:xfrm>
+      </p:grpSpPr>
+    </p:spTree>
+    <p:extLst>
+      <p:ext uri="{BB962C8B-B14F-4D97-AF65-F5344CB8AC3E}">
+        <p14:creationId xmlns:p14="http://schemas.microsoft.com/office/powerpoint/2010/main" val="4204248020"/>
+      </p:ext>
+    </p:extLst>
+  </p:cSld>
+  <p:clrMapOvr>
+    <a:masterClrMapping/>
+  </p:clrMapOvr>
+</p:sld>
+</file>
+
+<file path=ppt/slides/slide9.xml><?xml version="1.0" encoding="utf-8"?>
+<p:sld xmlns:a="http://schemas.openxmlformats.org/drawingml/2006/main" xmlns:r="http://schemas.openxmlformats.org/officeDocument/2006/relationships" xmlns:p="http://schemas.openxmlformats.org/presentationml/2006/main">
+  <p:cSld>
+    <p:spTree>
+      <p:nvGrpSpPr>
+        <p:cNvPr id="1" name=""/>
+        <p:cNvGrpSpPr/>
+        <p:nvPr/>
+      </p:nvGrpSpPr>
+      <p:grpSpPr>
+        <a:xfrm>
+          <a:off x="0" y="0"/>
+          <a:ext cx="0" cy="0"/>
+          <a:chOff x="0" y="0"/>
+          <a:chExt cx="0" cy="0"/>
+        </a:xfrm>
+      </p:grpSpPr>
+    </p:spTree>
+    <p:extLst>
+      <p:ext uri="{BB962C8B-B14F-4D97-AF65-F5344CB8AC3E}">
+        <p14:creationId xmlns:p14="http://schemas.microsoft.com/office/powerpoint/2010/main" val="2730923016"/>
       </p:ext>
     </p:extLst>
   </p:cSld>
